--- a/Module-federation-web-coomponent.pptx
+++ b/Module-federation-web-coomponent.pptx
@@ -3134,7 +3134,7 @@
         </p:nvSpPr>
         <p:spPr>
           <a:xfrm>
-            <a:off x="5791200" y="3962400"/>
+            <a:off x="5791200" y="3352800"/>
             <a:ext cx="3048000" cy="2514600"/>
           </a:xfrm>
           <a:prstGeom prst="rect">
@@ -3567,6 +3567,32 @@
           </a:p>
         </p:txBody>
       </p:sp>
+      <p:pic>
+        <p:nvPicPr>
+          <p:cNvPr id="1026" name="Picture 2" descr="C:\Users\Sourav\Desktop\Module-Fed.png"/>
+          <p:cNvPicPr>
+            <a:picLocks noChangeAspect="1" noChangeArrowheads="1"/>
+          </p:cNvPicPr>
+          <p:nvPr/>
+        </p:nvPicPr>
+        <p:blipFill>
+          <a:blip r:embed="rId2" cstate="print"/>
+          <a:srcRect/>
+          <a:stretch>
+            <a:fillRect/>
+          </a:stretch>
+        </p:blipFill>
+        <p:spPr bwMode="auto">
+          <a:xfrm>
+            <a:off x="914400" y="3276600"/>
+            <a:ext cx="2366147" cy="2626424"/>
+          </a:xfrm>
+          <a:prstGeom prst="rect">
+            <a:avLst/>
+          </a:prstGeom>
+          <a:noFill/>
+        </p:spPr>
+      </p:pic>
     </p:spTree>
   </p:cSld>
   <p:clrMapOvr>
@@ -3640,41 +3666,8 @@
             </a:pPr>
             <a:r>
               <a:rPr lang="en-US" sz="2400" dirty="0" smtClean="0"/>
-              <a:t>	</a:t>
-            </a:r>
-            <a:r>
-              <a:rPr lang="en-US" sz="2400" dirty="0" smtClean="0"/>
-              <a:t>While </a:t>
-            </a:r>
-            <a:r>
-              <a:rPr lang="en-US" sz="2400" dirty="0" smtClean="0"/>
-              <a:t>building web application for an enterprise </a:t>
-            </a:r>
-            <a:r>
-              <a:rPr lang="en-US" sz="2400" dirty="0" smtClean="0"/>
-              <a:t>with time </a:t>
-            </a:r>
-            <a:r>
-              <a:rPr lang="en-US" sz="2400" dirty="0" smtClean="0"/>
-              <a:t>the application become bigger with lots of features and lots of dependent packages</a:t>
-            </a:r>
-            <a:r>
-              <a:rPr lang="en-US" sz="2400" dirty="0" smtClean="0"/>
-              <a:t>.  While </a:t>
-            </a:r>
-            <a:r>
-              <a:rPr lang="en-US" sz="2400" dirty="0" smtClean="0"/>
-              <a:t>using of existing packages make life easier at the same time it increases the build time. </a:t>
-            </a:r>
-            <a:r>
-              <a:rPr lang="en-US" sz="2400" dirty="0" smtClean="0"/>
-              <a:t>This is </a:t>
-            </a:r>
-            <a:r>
-              <a:rPr lang="en-US" sz="2400" dirty="0" smtClean="0"/>
-              <a:t>unavoidable for a big application. </a:t>
-            </a:r>
-            <a:endParaRPr lang="en-US" sz="2400" dirty="0" smtClean="0"/>
+              <a:t>	While building web application for an enterprise with time the application become bigger with lots of features and lots of dependent packages.  While using of existing packages make life easier at the same time it increases the build time. This is unavoidable for a big application. </a:t>
+            </a:r>
           </a:p>
           <a:p>
             <a:pPr>
@@ -3697,11 +3690,7 @@
           <a:p>
             <a:r>
               <a:rPr lang="en-US" sz="2400" dirty="0" smtClean="0"/>
-              <a:t>Hence increases time for unit test to run</a:t>
-            </a:r>
-            <a:r>
-              <a:rPr lang="en-US" sz="2400" dirty="0" smtClean="0"/>
-              <a:t>.</a:t>
+              <a:t>Hence increases time for unit test to run.</a:t>
             </a:r>
           </a:p>
           <a:p>
@@ -3968,11 +3957,7 @@
             </a:r>
             <a:r>
               <a:rPr lang="en-US" dirty="0" smtClean="0"/>
-              <a:t> module federation can be a life saver to </a:t>
-            </a:r>
-            <a:r>
-              <a:rPr lang="en-US" dirty="0" smtClean="0"/>
-              <a:t>solve the problem and achieve all the benefits mentioned above.</a:t>
+              <a:t> module federation can be a life saver to solve the problem and achieve all the benefits mentioned above.</a:t>
             </a:r>
           </a:p>
           <a:p>
